--- a/skeleton-project/0724발표_5!.pptx
+++ b/skeleton-project/0724발표_5!.pptx
@@ -17,8 +17,9 @@
     <p:sldId id="266" r:id="rId11"/>
     <p:sldId id="267" r:id="rId12"/>
     <p:sldId id="268" r:id="rId13"/>
-    <p:sldId id="269" r:id="rId14"/>
-    <p:sldId id="270" r:id="rId15"/>
+    <p:sldId id="271" r:id="rId14"/>
+    <p:sldId id="269" r:id="rId15"/>
+    <p:sldId id="270" r:id="rId16"/>
   </p:sldIdLst>
   <p:sldSz cx="18288000" cy="10287000"/>
   <p:notesSz cx="10287000" cy="18288000"/>
@@ -4129,13 +4130,6 @@
                 </a:rPr>
                 <a:t>게시판</a:t>
               </a:r>
-              <a:endParaRPr lang="ko-KR" altLang="en-US" sz="3000" dirty="0">
-                <a:solidFill>
-                  <a:schemeClr val="tx1"/>
-                </a:solidFill>
-                <a:latin typeface="KoPub돋움체 Light" panose="02020603020101020101" pitchFamily="18" charset="-127"/>
-                <a:ea typeface="KoPub돋움체 Light" panose="02020603020101020101" pitchFamily="18" charset="-127"/>
-              </a:endParaRPr>
             </a:p>
           </p:txBody>
         </p:sp>
@@ -4391,10 +4385,16 @@
             <a:lstStyle/>
             <a:p>
               <a:r>
-                <a:rPr lang="en-US" altLang="ko-KR" sz="4000" dirty="0" smtClean="0"/>
+                <a:rPr lang="en-US" altLang="ko-KR" sz="4000" dirty="0" smtClean="0">
+                  <a:latin typeface="KoPub돋움체 Bold" panose="02020603020101020101" pitchFamily="18" charset="-127"/>
+                  <a:ea typeface="KoPub돋움체 Bold" panose="02020603020101020101" pitchFamily="18" charset="-127"/>
+                </a:rPr>
                 <a:t>Server</a:t>
               </a:r>
-              <a:endParaRPr lang="ko-KR" altLang="en-US" sz="4000" dirty="0"/>
+              <a:endParaRPr lang="ko-KR" altLang="en-US" sz="4000" dirty="0">
+                <a:latin typeface="KoPub돋움체 Bold" panose="02020603020101020101" pitchFamily="18" charset="-127"/>
+                <a:ea typeface="KoPub돋움체 Bold" panose="02020603020101020101" pitchFamily="18" charset="-127"/>
+              </a:endParaRPr>
             </a:p>
           </p:txBody>
         </p:sp>
@@ -4561,17 +4561,7 @@
                   <a:latin typeface="KoPub돋움체 Light" panose="02020603020101020101" pitchFamily="18" charset="-127"/>
                   <a:ea typeface="KoPub돋움체 Light" panose="02020603020101020101" pitchFamily="18" charset="-127"/>
                 </a:rPr>
-                <a:t>회원 </a:t>
-              </a:r>
-              <a:r>
-                <a:rPr lang="ko-KR" altLang="en-US" sz="3200" dirty="0" smtClean="0">
-                  <a:solidFill>
-                    <a:schemeClr val="tx1"/>
-                  </a:solidFill>
-                  <a:latin typeface="KoPub돋움체 Light" panose="02020603020101020101" pitchFamily="18" charset="-127"/>
-                  <a:ea typeface="KoPub돋움체 Light" panose="02020603020101020101" pitchFamily="18" charset="-127"/>
-                </a:rPr>
-                <a:t>별</a:t>
+                <a:t>회원 별</a:t>
               </a:r>
               <a:endParaRPr lang="en-US" altLang="ko-KR" sz="3200" dirty="0" smtClean="0">
                 <a:solidFill>
@@ -4781,17 +4771,7 @@
                   <a:latin typeface="KoPub돋움체 Light" panose="02020603020101020101" pitchFamily="18" charset="-127"/>
                   <a:ea typeface="KoPub돋움체 Light" panose="02020603020101020101" pitchFamily="18" charset="-127"/>
                 </a:rPr>
-                <a:t>기구 </a:t>
-              </a:r>
-              <a:r>
-                <a:rPr lang="ko-KR" altLang="en-US" sz="3200" spc="-300" dirty="0" smtClean="0">
-                  <a:solidFill>
-                    <a:schemeClr val="tx1"/>
-                  </a:solidFill>
-                  <a:latin typeface="KoPub돋움체 Light" panose="02020603020101020101" pitchFamily="18" charset="-127"/>
-                  <a:ea typeface="KoPub돋움체 Light" panose="02020603020101020101" pitchFamily="18" charset="-127"/>
-                </a:rPr>
-                <a:t>사용 측정</a:t>
+                <a:t>기구 사용 측정</a:t>
               </a:r>
               <a:endParaRPr lang="ko-KR" altLang="en-US" sz="3200" spc="-300" dirty="0">
                 <a:solidFill>
@@ -4872,27 +4852,7 @@
                   <a:latin typeface="KoPub돋움체 Light" panose="02020603020101020101" pitchFamily="18" charset="-127"/>
                   <a:ea typeface="KoPub돋움체 Light" panose="02020603020101020101" pitchFamily="18" charset="-127"/>
                 </a:rPr>
-                <a:t>통신</a:t>
-              </a:r>
-              <a:endParaRPr lang="en-US" altLang="ko-KR" sz="2400" dirty="0" smtClean="0">
-                <a:solidFill>
-                  <a:schemeClr val="tx1"/>
-                </a:solidFill>
-                <a:latin typeface="KoPub돋움체 Light" panose="02020603020101020101" pitchFamily="18" charset="-127"/>
-                <a:ea typeface="KoPub돋움체 Light" panose="02020603020101020101" pitchFamily="18" charset="-127"/>
-              </a:endParaRPr>
-            </a:p>
-            <a:p>
-              <a:pPr algn="ctr"/>
-              <a:r>
-                <a:rPr lang="ko-KR" altLang="en-US" sz="2400" dirty="0" smtClean="0">
-                  <a:solidFill>
-                    <a:schemeClr val="tx1"/>
-                  </a:solidFill>
-                  <a:latin typeface="KoPub돋움체 Light" panose="02020603020101020101" pitchFamily="18" charset="-127"/>
-                  <a:ea typeface="KoPub돋움체 Light" panose="02020603020101020101" pitchFamily="18" charset="-127"/>
-                </a:rPr>
-                <a:t>및</a:t>
+                <a:t>통신 및</a:t>
               </a:r>
               <a:endParaRPr lang="en-US" altLang="ko-KR" sz="2400" dirty="0" smtClean="0">
                 <a:solidFill>
@@ -5361,6 +5321,9 @@
   <p:clrMapOvr>
     <a:masterClrMapping/>
   </p:clrMapOvr>
+  <p:transition spd="slow">
+    <p:push dir="u"/>
+  </p:transition>
   <p:timing>
     <p:tnLst>
       <p:par>
@@ -5372,6 +5335,123 @@
 </file>
 
 <file path=ppt/slides/slide13.xml><?xml version="1.0" encoding="utf-8"?>
+<p:sld xmlns:a="http://schemas.openxmlformats.org/drawingml/2006/main" xmlns:r="http://schemas.openxmlformats.org/officeDocument/2006/relationships" xmlns:p="http://schemas.openxmlformats.org/presentationml/2006/main">
+  <p:cSld>
+    <p:bg>
+      <p:bgPr>
+        <a:solidFill>
+          <a:srgbClr val="FDF8F2"/>
+        </a:solidFill>
+        <a:effectLst/>
+      </p:bgPr>
+    </p:bg>
+    <p:spTree>
+      <p:nvGrpSpPr>
+        <p:cNvPr id="1" name=""/>
+        <p:cNvGrpSpPr/>
+        <p:nvPr/>
+      </p:nvGrpSpPr>
+      <p:grpSpPr>
+        <a:xfrm>
+          <a:off x="0" y="0"/>
+          <a:ext cx="0" cy="0"/>
+          <a:chOff x="0" y="0"/>
+          <a:chExt cx="0" cy="0"/>
+        </a:xfrm>
+      </p:grpSpPr>
+      <p:grpSp>
+        <p:nvGrpSpPr>
+          <p:cNvPr id="1001" name="그룹 1001"/>
+          <p:cNvGrpSpPr/>
+          <p:nvPr/>
+        </p:nvGrpSpPr>
+        <p:grpSpPr>
+          <a:xfrm>
+            <a:off x="-4762" y="0"/>
+            <a:ext cx="18295238" cy="10285714"/>
+            <a:chOff x="-4762" y="0"/>
+            <a:chExt cx="18295238" cy="10285714"/>
+          </a:xfrm>
+        </p:grpSpPr>
+        <p:pic>
+          <p:nvPicPr>
+            <p:cNvPr id="3" name="Object 2"/>
+            <p:cNvPicPr>
+              <a:picLocks noChangeAspect="1"/>
+            </p:cNvPicPr>
+            <p:nvPr/>
+          </p:nvPicPr>
+          <p:blipFill>
+            <a:blip r:embed="rId2" cstate="print"/>
+            <a:stretch>
+              <a:fillRect/>
+            </a:stretch>
+          </p:blipFill>
+          <p:spPr>
+            <a:xfrm>
+              <a:off x="-4762" y="0"/>
+              <a:ext cx="18295238" cy="10285714"/>
+            </a:xfrm>
+            <a:prstGeom prst="rect">
+              <a:avLst/>
+            </a:prstGeom>
+          </p:spPr>
+        </p:pic>
+      </p:grpSp>
+      <p:pic>
+        <p:nvPicPr>
+          <p:cNvPr id="7" name="그림 6"/>
+          <p:cNvPicPr>
+            <a:picLocks noChangeAspect="1"/>
+          </p:cNvPicPr>
+          <p:nvPr/>
+        </p:nvPicPr>
+        <p:blipFill>
+          <a:blip r:embed="rId3">
+            <a:extLst>
+              <a:ext uri="{28A0092B-C50C-407E-A947-70E740481C1C}">
+                <a14:useLocalDpi xmlns:a14="http://schemas.microsoft.com/office/drawing/2010/main" val="0"/>
+              </a:ext>
+            </a:extLst>
+          </a:blip>
+          <a:stretch>
+            <a:fillRect/>
+          </a:stretch>
+        </p:blipFill>
+        <p:spPr>
+          <a:xfrm>
+            <a:off x="2094357" y="982701"/>
+            <a:ext cx="14097000" cy="8385316"/>
+          </a:xfrm>
+          <a:prstGeom prst="rect">
+            <a:avLst/>
+          </a:prstGeom>
+        </p:spPr>
+      </p:pic>
+    </p:spTree>
+    <p:extLst>
+      <p:ext uri="{BB962C8B-B14F-4D97-AF65-F5344CB8AC3E}">
+        <p14:creationId xmlns:p14="http://schemas.microsoft.com/office/powerpoint/2010/main" val="2147777986"/>
+      </p:ext>
+    </p:extLst>
+  </p:cSld>
+  <p:clrMapOvr>
+    <a:masterClrMapping/>
+  </p:clrMapOvr>
+  <p:transition spd="slow">
+    <p:push dir="u"/>
+  </p:transition>
+  <p:timing>
+    <p:tnLst>
+      <p:par>
+        <p:cTn id="1" dur="indefinite" restart="never" nodeType="tmRoot"/>
+      </p:par>
+    </p:tnLst>
+  </p:timing>
+</p:sld>
+</file>
+
+<file path=ppt/slides/slide14.xml><?xml version="1.0" encoding="utf-8"?>
 <p:sld xmlns:a="http://schemas.openxmlformats.org/drawingml/2006/main" xmlns:r="http://schemas.openxmlformats.org/officeDocument/2006/relationships" xmlns:p="http://schemas.openxmlformats.org/presentationml/2006/main">
   <p:cSld name="Slide 14">
     <p:bg>
@@ -5510,7 +5590,7 @@
 </p:sld>
 </file>
 
-<file path=ppt/slides/slide14.xml><?xml version="1.0" encoding="utf-8"?>
+<file path=ppt/slides/slide15.xml><?xml version="1.0" encoding="utf-8"?>
 <p:sld xmlns:a="http://schemas.openxmlformats.org/drawingml/2006/main" xmlns:r="http://schemas.openxmlformats.org/officeDocument/2006/relationships" xmlns:p="http://schemas.openxmlformats.org/presentationml/2006/main">
   <p:cSld name="Slide 15">
     <p:bg>
